--- a/UI-Test-Automation.pptx
+++ b/UI-Test-Automation.pptx
@@ -5,14 +5,16 @@
     <p:sldMasterId id="2147483648" r:id="rId1"/>
   </p:sldMasterIdLst>
   <p:notesMasterIdLst>
-    <p:notesMasterId r:id="rId7"/>
+    <p:notesMasterId r:id="rId9"/>
   </p:notesMasterIdLst>
   <p:sldIdLst>
     <p:sldId id="256" r:id="rId2"/>
     <p:sldId id="266" r:id="rId3"/>
-    <p:sldId id="260" r:id="rId4"/>
+    <p:sldId id="269" r:id="rId4"/>
     <p:sldId id="262" r:id="rId5"/>
     <p:sldId id="268" r:id="rId6"/>
+    <p:sldId id="260" r:id="rId7"/>
+    <p:sldId id="270" r:id="rId8"/>
   </p:sldIdLst>
   <p:sldSz cx="12192000" cy="6858000"/>
   <p:notesSz cx="6858000" cy="9144000"/>
@@ -117,6 +119,10 @@
     </p:ext>
   </p:extLst>
 </p:presentation>
+</file>
+
+<file path=ppt/revisionInfo.xml><?xml version="1.0" encoding="utf-8"?>
+<p1510:revInfo xmlns:a="http://schemas.openxmlformats.org/drawingml/2006/main" xmlns:r="http://schemas.openxmlformats.org/officeDocument/2006/relationships" xmlns:p1510="http://schemas.microsoft.com/office/powerpoint/2015/10/main"/>
 </file>
 
 <file path=ppt/changesInfos/changesInfo1.xml><?xml version="1.0" encoding="utf-8"?>
@@ -327,7 +333,7 @@
           <a:p>
             <a:fld id="{7FE6C633-75D6-457E-9056-0DCC7952B09B}" type="datetimeFigureOut">
               <a:rPr lang="en-US" smtClean="0"/>
-              <a:t>9/7/2017</a:t>
+              <a:t>9/8/2017</a:t>
             </a:fld>
             <a:endParaRPr lang="en-US"/>
           </a:p>
@@ -752,7 +758,7 @@
     </p:spTree>
     <p:extLst>
       <p:ext uri="{BB962C8B-B14F-4D97-AF65-F5344CB8AC3E}">
-        <p14:creationId xmlns:p14="http://schemas.microsoft.com/office/powerpoint/2010/main" val="661429770"/>
+        <p14:creationId xmlns:p14="http://schemas.microsoft.com/office/powerpoint/2010/main" val="4105192910"/>
       </p:ext>
     </p:extLst>
   </p:cSld>
@@ -925,6 +931,90 @@
     <p:extLst>
       <p:ext uri="{BB962C8B-B14F-4D97-AF65-F5344CB8AC3E}">
         <p14:creationId xmlns:p14="http://schemas.microsoft.com/office/powerpoint/2010/main" val="3831086491"/>
+      </p:ext>
+    </p:extLst>
+  </p:cSld>
+  <p:clrMapOvr>
+    <a:masterClrMapping/>
+  </p:clrMapOvr>
+</p:notes>
+</file>
+
+<file path=ppt/notesSlides/notesSlide5.xml><?xml version="1.0" encoding="utf-8"?>
+<p:notes xmlns:a="http://schemas.openxmlformats.org/drawingml/2006/main" xmlns:r="http://schemas.openxmlformats.org/officeDocument/2006/relationships" xmlns:p="http://schemas.openxmlformats.org/presentationml/2006/main">
+  <p:cSld>
+    <p:spTree>
+      <p:nvGrpSpPr>
+        <p:cNvPr id="1" name=""/>
+        <p:cNvGrpSpPr/>
+        <p:nvPr/>
+      </p:nvGrpSpPr>
+      <p:grpSpPr>
+        <a:xfrm>
+          <a:off x="0" y="0"/>
+          <a:ext cx="0" cy="0"/>
+          <a:chOff x="0" y="0"/>
+          <a:chExt cx="0" cy="0"/>
+        </a:xfrm>
+      </p:grpSpPr>
+      <p:sp>
+        <p:nvSpPr>
+          <p:cNvPr id="2" name="Slide Image Placeholder 1"/>
+          <p:cNvSpPr>
+            <a:spLocks noGrp="1" noRot="1" noChangeAspect="1"/>
+          </p:cNvSpPr>
+          <p:nvPr>
+            <p:ph type="sldImg"/>
+          </p:nvPr>
+        </p:nvSpPr>
+        <p:spPr/>
+      </p:sp>
+      <p:sp>
+        <p:nvSpPr>
+          <p:cNvPr id="3" name="Notes Placeholder 2"/>
+          <p:cNvSpPr>
+            <a:spLocks noGrp="1"/>
+          </p:cNvSpPr>
+          <p:nvPr>
+            <p:ph type="body" idx="1"/>
+          </p:nvPr>
+        </p:nvSpPr>
+        <p:spPr/>
+        <p:txBody>
+          <a:bodyPr/>
+          <a:lstStyle/>
+          <a:p>
+            <a:endParaRPr lang="en-US" dirty="0"/>
+          </a:p>
+        </p:txBody>
+      </p:sp>
+      <p:sp>
+        <p:nvSpPr>
+          <p:cNvPr id="4" name="Slide Number Placeholder 3"/>
+          <p:cNvSpPr>
+            <a:spLocks noGrp="1"/>
+          </p:cNvSpPr>
+          <p:nvPr>
+            <p:ph type="sldNum" sz="quarter" idx="10"/>
+          </p:nvPr>
+        </p:nvSpPr>
+        <p:spPr/>
+        <p:txBody>
+          <a:bodyPr/>
+          <a:lstStyle/>
+          <a:p>
+            <a:fld id="{A722029B-482A-4965-9C7D-4CBD9DBE7C19}" type="slidenum">
+              <a:rPr lang="en-US" smtClean="0"/>
+              <a:t>6</a:t>
+            </a:fld>
+            <a:endParaRPr lang="en-US"/>
+          </a:p>
+        </p:txBody>
+      </p:sp>
+    </p:spTree>
+    <p:extLst>
+      <p:ext uri="{BB962C8B-B14F-4D97-AF65-F5344CB8AC3E}">
+        <p14:creationId xmlns:p14="http://schemas.microsoft.com/office/powerpoint/2010/main" val="661429770"/>
       </p:ext>
     </p:extLst>
   </p:cSld>
@@ -1208,7 +1298,7 @@
           <a:p>
             <a:fld id="{78ABE3C1-DBE1-495D-B57B-2849774B866A}" type="datetimeFigureOut">
               <a:rPr lang="en-US" dirty="0"/>
-              <a:t>9/7/2017</a:t>
+              <a:t>9/8/2017</a:t>
             </a:fld>
             <a:endParaRPr lang="en-US" dirty="0"/>
           </a:p>
@@ -1617,7 +1707,7 @@
           <a:p>
             <a:fld id="{446C117F-5CCF-4837-BE5F-2B92066CAFAF}" type="datetimeFigureOut">
               <a:rPr lang="en-US" dirty="0"/>
-              <a:t>9/7/2017</a:t>
+              <a:t>9/8/2017</a:t>
             </a:fld>
             <a:endParaRPr lang="en-US" dirty="0"/>
           </a:p>
@@ -1948,7 +2038,7 @@
           <a:p>
             <a:fld id="{84EB90BD-B6CE-46B7-997F-7313B992CCDC}" type="datetimeFigureOut">
               <a:rPr lang="en-US" dirty="0"/>
-              <a:t>9/7/2017</a:t>
+              <a:t>9/8/2017</a:t>
             </a:fld>
             <a:endParaRPr lang="en-US" dirty="0"/>
           </a:p>
@@ -2348,7 +2438,7 @@
           <a:p>
             <a:fld id="{CDB9D11F-B188-461D-B23F-39381795C052}" type="datetimeFigureOut">
               <a:rPr lang="en-US" dirty="0"/>
-              <a:t>9/7/2017</a:t>
+              <a:t>9/8/2017</a:t>
             </a:fld>
             <a:endParaRPr lang="en-US" dirty="0"/>
           </a:p>
@@ -2911,7 +3001,7 @@
           <a:p>
             <a:fld id="{52E6D8D9-55A2-4063-B0F3-121F44549695}" type="datetimeFigureOut">
               <a:rPr lang="en-US" dirty="0"/>
-              <a:t>9/7/2017</a:t>
+              <a:t>9/8/2017</a:t>
             </a:fld>
             <a:endParaRPr lang="en-US" dirty="0"/>
           </a:p>
@@ -3587,7 +3677,7 @@
           <a:p>
             <a:fld id="{D4B24536-994D-4021-A283-9F449C0DB509}" type="datetimeFigureOut">
               <a:rPr lang="en-US" dirty="0"/>
-              <a:t>9/7/2017</a:t>
+              <a:t>9/8/2017</a:t>
             </a:fld>
             <a:endParaRPr lang="en-US" dirty="0"/>
           </a:p>
@@ -4495,7 +4585,7 @@
           <a:p>
             <a:fld id="{3CBBBB78-C96F-47B7-AB17-D852CA960AC9}" type="datetimeFigureOut">
               <a:rPr lang="en-US" dirty="0"/>
-              <a:t>9/7/2017</a:t>
+              <a:t>9/8/2017</a:t>
             </a:fld>
             <a:endParaRPr lang="en-US" dirty="0"/>
           </a:p>
@@ -4803,7 +4893,7 @@
           <a:p>
             <a:fld id="{1FA3F48C-C7C6-4055-9F49-3777875E72AE}" type="datetimeFigureOut">
               <a:rPr lang="en-US" dirty="0"/>
-              <a:t>9/7/2017</a:t>
+              <a:t>9/8/2017</a:t>
             </a:fld>
             <a:endParaRPr lang="en-US" dirty="0"/>
           </a:p>
@@ -5062,7 +5152,7 @@
           <a:p>
             <a:fld id="{6178E61D-D431-422C-9764-11DAFE33AB63}" type="datetimeFigureOut">
               <a:rPr lang="en-US" dirty="0"/>
-              <a:t>9/7/2017</a:t>
+              <a:t>9/8/2017</a:t>
             </a:fld>
             <a:endParaRPr lang="en-US" dirty="0"/>
           </a:p>
@@ -5381,7 +5471,7 @@
           <a:p>
             <a:fld id="{12DE42F4-6EEF-4EF7-8ED4-2208F0F89A08}" type="datetimeFigureOut">
               <a:rPr lang="en-US" dirty="0"/>
-              <a:t>9/7/2017</a:t>
+              <a:t>9/8/2017</a:t>
             </a:fld>
             <a:endParaRPr lang="en-US" dirty="0"/>
           </a:p>
@@ -5765,7 +5855,7 @@
           <a:p>
             <a:fld id="{30578ACC-22D6-47C1-A373-4FD133E34F3C}" type="datetimeFigureOut">
               <a:rPr lang="en-US" dirty="0"/>
-              <a:t>9/7/2017</a:t>
+              <a:t>9/8/2017</a:t>
             </a:fld>
             <a:endParaRPr lang="en-US" dirty="0"/>
           </a:p>
@@ -6136,7 +6226,7 @@
           <a:p>
             <a:fld id="{4E5A6C69-6797-4E8A-BF37-F2C3751466E9}" type="datetimeFigureOut">
               <a:rPr lang="en-US" dirty="0"/>
-              <a:t>9/7/2017</a:t>
+              <a:t>9/8/2017</a:t>
             </a:fld>
             <a:endParaRPr lang="en-US" dirty="0"/>
           </a:p>
@@ -6637,7 +6727,7 @@
           <a:p>
             <a:fld id="{D82014A1-A632-4878-A0D3-F52BA7563730}" type="datetimeFigureOut">
               <a:rPr lang="en-US" dirty="0"/>
-              <a:t>9/7/2017</a:t>
+              <a:t>9/8/2017</a:t>
             </a:fld>
             <a:endParaRPr lang="en-US" dirty="0"/>
           </a:p>
@@ -6889,7 +6979,7 @@
           <a:p>
             <a:fld id="{CE99F462-093F-4566-844B-4C71F2739DA5}" type="datetimeFigureOut">
               <a:rPr lang="en-US" dirty="0"/>
-              <a:t>9/7/2017</a:t>
+              <a:t>9/8/2017</a:t>
             </a:fld>
             <a:endParaRPr lang="en-US" dirty="0"/>
           </a:p>
@@ -7047,7 +7137,7 @@
           <a:p>
             <a:fld id="{3D24A7AC-904D-4781-85BA-7D10C17ED021}" type="datetimeFigureOut">
               <a:rPr lang="en-US" dirty="0"/>
-              <a:t>9/7/2017</a:t>
+              <a:t>9/8/2017</a:t>
             </a:fld>
             <a:endParaRPr lang="en-US" dirty="0"/>
           </a:p>
@@ -7432,7 +7522,7 @@
           <a:p>
             <a:fld id="{E331444B-B92B-4E27-8C94-BB93EAF5CB18}" type="datetimeFigureOut">
               <a:rPr lang="en-US" dirty="0"/>
-              <a:t>9/7/2017</a:t>
+              <a:t>9/8/2017</a:t>
             </a:fld>
             <a:endParaRPr lang="en-US" dirty="0"/>
           </a:p>
@@ -7836,7 +7926,7 @@
           <a:p>
             <a:fld id="{363EFA5E-FA76-400D-B3DC-F0BA90E6D107}" type="datetimeFigureOut">
               <a:rPr lang="en-US" dirty="0"/>
-              <a:t>9/7/2017</a:t>
+              <a:t>9/8/2017</a:t>
             </a:fld>
             <a:endParaRPr lang="en-US" dirty="0"/>
           </a:p>
@@ -8075,7 +8165,7 @@
           <a:p>
             <a:fld id="{9D6E9DEC-419B-4CC5-A080-3B06BD5A8291}" type="datetimeFigureOut">
               <a:rPr lang="en-US" dirty="0"/>
-              <a:t>9/7/2017</a:t>
+              <a:t>9/8/2017</a:t>
             </a:fld>
             <a:endParaRPr lang="en-US" dirty="0"/>
           </a:p>
@@ -8529,10 +8619,27 @@
         </p:nvSpPr>
         <p:spPr/>
         <p:txBody>
-          <a:bodyPr/>
+          <a:bodyPr>
+            <a:normAutofit lnSpcReduction="10000"/>
+          </a:bodyPr>
           <a:lstStyle/>
           <a:p>
-            <a:endParaRPr lang="en-US" dirty="0"/>
+            <a:r>
+              <a:rPr lang="en-US" dirty="0"/>
+              <a:t>Slobo Stipic</a:t>
+            </a:r>
+          </a:p>
+          <a:p>
+            <a:r>
+              <a:rPr lang="en-US" dirty="0"/>
+              <a:t>@slobo80</a:t>
+            </a:r>
+          </a:p>
+          <a:p>
+            <a:r>
+              <a:rPr lang="en-US" dirty="0"/>
+              <a:t>devatheart.com</a:t>
+            </a:r>
           </a:p>
         </p:txBody>
       </p:sp>
@@ -8589,75 +8696,17 @@
           <a:p>
             <a:r>
               <a:rPr lang="en-US" dirty="0"/>
-              <a:t>Agenda</a:t>
-            </a:r>
-          </a:p>
-        </p:txBody>
-      </p:sp>
-      <p:sp>
-        <p:nvSpPr>
-          <p:cNvPr id="9" name="Text Placeholder 8">
+              <a:t>.NET Developers Association</a:t>
+            </a:r>
+          </a:p>
+        </p:txBody>
+      </p:sp>
+      <p:pic>
+        <p:nvPicPr>
+          <p:cNvPr id="11" name="Content Placeholder 10">
             <a:extLst>
               <a:ext uri="{FF2B5EF4-FFF2-40B4-BE49-F238E27FC236}">
-                <a16:creationId xmlns:a16="http://schemas.microsoft.com/office/drawing/2014/main" id="{7C388CE2-2425-478F-8A87-81BBFF8B7A7A}"/>
-              </a:ext>
-            </a:extLst>
-          </p:cNvPr>
-          <p:cNvSpPr>
-            <a:spLocks noGrp="1"/>
-          </p:cNvSpPr>
-          <p:nvPr>
-            <p:ph type="body" sz="half" idx="2"/>
-          </p:nvPr>
-        </p:nvSpPr>
-        <p:spPr>
-          <a:xfrm>
-            <a:off x="680322" y="2336872"/>
-            <a:ext cx="5969860" cy="3599317"/>
-          </a:xfrm>
-        </p:spPr>
-        <p:txBody>
-          <a:bodyPr/>
-          <a:lstStyle/>
-          <a:p>
-            <a:pPr marL="457200" indent="-457200">
-              <a:buFont typeface="Arial" panose="020B0604020202020204" pitchFamily="34" charset="0"/>
-              <a:buChar char="•"/>
-            </a:pPr>
-            <a:r>
-              <a:rPr lang="en-US" sz="2800" dirty="0"/>
-              <a:t>How to Run UI Tests</a:t>
-            </a:r>
-          </a:p>
-          <a:p>
-            <a:pPr marL="457200" indent="-457200">
-              <a:buFont typeface="Arial" panose="020B0604020202020204" pitchFamily="34" charset="0"/>
-              <a:buChar char="•"/>
-            </a:pPr>
-            <a:r>
-              <a:rPr lang="en-US" sz="2800"/>
-              <a:t>Architecture</a:t>
-            </a:r>
-            <a:endParaRPr lang="en-US" sz="2800" dirty="0"/>
-          </a:p>
-          <a:p>
-            <a:pPr marL="457200" indent="-457200">
-              <a:buFont typeface="Arial" panose="020B0604020202020204" pitchFamily="34" charset="0"/>
-              <a:buChar char="•"/>
-            </a:pPr>
-            <a:r>
-              <a:rPr lang="en-US" sz="2800" dirty="0"/>
-              <a:t>Guidelines and Recommendation</a:t>
-            </a:r>
-          </a:p>
-        </p:txBody>
-      </p:sp>
-      <p:pic>
-        <p:nvPicPr>
-          <p:cNvPr id="5" name="Content Placeholder 4" descr="A person holding a sign&#10;&#10;Description generated with high confidence">
-            <a:extLst>
-              <a:ext uri="{FF2B5EF4-FFF2-40B4-BE49-F238E27FC236}">
-                <a16:creationId xmlns:a16="http://schemas.microsoft.com/office/drawing/2014/main" id="{3DBEBEC9-90BF-45E5-8C36-C01F76BDD21D}"/>
+                <a16:creationId xmlns:a16="http://schemas.microsoft.com/office/drawing/2014/main" id="{480724EA-289B-4069-8474-B3F8EA809280}"/>
               </a:ext>
             </a:extLst>
           </p:cNvPr>
@@ -8668,18 +8717,118 @@
             <p:ph idx="1"/>
           </p:nvPr>
         </p:nvPicPr>
-        <p:blipFill rotWithShape="1">
+        <p:blipFill>
           <a:blip r:embed="rId3"/>
-          <a:srcRect l="2695" r="52339"/>
-          <a:stretch/>
+          <a:stretch>
+            <a:fillRect/>
+          </a:stretch>
         </p:blipFill>
         <p:spPr>
           <a:xfrm>
-            <a:off x="7034980" y="2041307"/>
-            <a:ext cx="3383522" cy="4315248"/>
-          </a:xfrm>
+            <a:off x="5804694" y="2402681"/>
+            <a:ext cx="3371850" cy="3467100"/>
+          </a:xfrm>
+          <a:prstGeom prst="rect">
+            <a:avLst/>
+          </a:prstGeom>
         </p:spPr>
       </p:pic>
+      <p:sp>
+        <p:nvSpPr>
+          <p:cNvPr id="10" name="Text Placeholder 9">
+            <a:extLst>
+              <a:ext uri="{FF2B5EF4-FFF2-40B4-BE49-F238E27FC236}">
+                <a16:creationId xmlns:a16="http://schemas.microsoft.com/office/drawing/2014/main" id="{7C16B2BA-A416-4940-8181-00CD6C33EBBF}"/>
+              </a:ext>
+            </a:extLst>
+          </p:cNvPr>
+          <p:cNvSpPr>
+            <a:spLocks noGrp="1"/>
+          </p:cNvSpPr>
+          <p:nvPr>
+            <p:ph type="body" sz="half" idx="2"/>
+          </p:nvPr>
+        </p:nvSpPr>
+        <p:spPr>
+          <a:xfrm>
+            <a:off x="680322" y="2336872"/>
+            <a:ext cx="3790078" cy="2200945"/>
+          </a:xfrm>
+        </p:spPr>
+        <p:txBody>
+          <a:bodyPr>
+            <a:normAutofit fontScale="92500" lnSpcReduction="10000"/>
+          </a:bodyPr>
+          <a:lstStyle/>
+          <a:p>
+            <a:pPr marL="285750" indent="-285750">
+              <a:buFont typeface="Arial" panose="020B0604020202020204" pitchFamily="34" charset="0"/>
+              <a:buChar char="•"/>
+            </a:pPr>
+            <a:r>
+              <a:rPr lang="en-US" dirty="0"/>
+              <a:t>First Monday of the month</a:t>
+            </a:r>
+          </a:p>
+          <a:p>
+            <a:pPr marL="285750" indent="-285750">
+              <a:buFont typeface="Arial" panose="020B0604020202020204" pitchFamily="34" charset="0"/>
+              <a:buChar char="•"/>
+            </a:pPr>
+            <a:r>
+              <a:rPr lang="en-US" dirty="0"/>
+              <a:t>Next meetup: </a:t>
+            </a:r>
+            <a:r>
+              <a:rPr lang="en-US" b="1" dirty="0"/>
+              <a:t>Nov 6, Microsoft campus</a:t>
+            </a:r>
+            <a:endParaRPr lang="en-US" dirty="0"/>
+          </a:p>
+          <a:p>
+            <a:pPr marL="285750" indent="-285750">
+              <a:buFont typeface="Arial" panose="020B0604020202020204" pitchFamily="34" charset="0"/>
+              <a:buChar char="•"/>
+            </a:pPr>
+            <a:r>
+              <a:rPr lang="en-US" dirty="0"/>
+              <a:t>Topic: </a:t>
+            </a:r>
+            <a:r>
+              <a:rPr lang="en-US" b="1" dirty="0"/>
+              <a:t>Inception, Workflow, to $Deployed$ Removing Chaos and Noise From Your Dev Stack</a:t>
+            </a:r>
+          </a:p>
+          <a:p>
+            <a:pPr marL="285750" indent="-285750">
+              <a:buFont typeface="Arial" panose="020B0604020202020204" pitchFamily="34" charset="0"/>
+              <a:buChar char="•"/>
+            </a:pPr>
+            <a:r>
+              <a:rPr lang="en-US" b="1" dirty="0">
+                <a:hlinkClick r:id="rId4"/>
+              </a:rPr>
+              <a:t>http://dotnetda.org</a:t>
+            </a:r>
+            <a:endParaRPr lang="en-US" b="1" dirty="0"/>
+          </a:p>
+          <a:p>
+            <a:pPr marL="285750" indent="-285750">
+              <a:buFont typeface="Arial" panose="020B0604020202020204" pitchFamily="34" charset="0"/>
+              <a:buChar char="•"/>
+            </a:pPr>
+            <a:r>
+              <a:rPr lang="en-US" b="1" dirty="0"/>
+              <a:t>@</a:t>
+            </a:r>
+            <a:r>
+              <a:rPr lang="en-US" b="1" dirty="0" err="1"/>
+              <a:t>netda</a:t>
+            </a:r>
+            <a:endParaRPr lang="en-US" b="1" dirty="0"/>
+          </a:p>
+        </p:txBody>
+      </p:sp>
     </p:spTree>
     <p:extLst>
       <p:ext uri="{BB962C8B-B14F-4D97-AF65-F5344CB8AC3E}">
@@ -8710,270 +8859,12 @@
           <a:chExt cx="0" cy="0"/>
         </a:xfrm>
       </p:grpSpPr>
-      <p:sp useBgFill="1">
-        <p:nvSpPr>
-          <p:cNvPr id="18" name="Rectangle 17"/>
-          <p:cNvSpPr>
-            <a:spLocks noGrp="1" noRot="1" noChangeAspect="1" noMove="1" noResize="1" noEditPoints="1" noAdjustHandles="1" noChangeArrowheads="1" noChangeShapeType="1" noTextEdit="1"/>
-          </p:cNvSpPr>
-          <p:nvPr>
-            <p:extLst>
-              <p:ext uri="{386F3935-93C4-4BCD-93E2-E3B085C9AB24}">
-                <p16:designElem xmlns:p16="http://schemas.microsoft.com/office/powerpoint/2015/main" val="1"/>
-              </p:ext>
-            </p:extLst>
-          </p:nvPr>
-        </p:nvSpPr>
-        <p:spPr>
-          <a:xfrm>
-            <a:off x="0" y="-1"/>
-            <a:ext cx="12188824" cy="6858001"/>
-          </a:xfrm>
-          <a:prstGeom prst="rect">
-            <a:avLst/>
-          </a:prstGeom>
-          <a:ln>
-            <a:noFill/>
-          </a:ln>
-        </p:spPr>
-        <p:style>
-          <a:lnRef idx="2">
-            <a:schemeClr val="accent1">
-              <a:shade val="50000"/>
-            </a:schemeClr>
-          </a:lnRef>
-          <a:fillRef idx="1">
-            <a:schemeClr val="accent1"/>
-          </a:fillRef>
-          <a:effectRef idx="0">
-            <a:schemeClr val="accent1"/>
-          </a:effectRef>
-          <a:fontRef idx="minor">
-            <a:schemeClr val="lt1"/>
-          </a:fontRef>
-        </p:style>
-        <p:txBody>
-          <a:bodyPr rtlCol="0" anchor="ctr"/>
-          <a:lstStyle/>
-          <a:p>
-            <a:pPr algn="ctr"/>
-            <a:endParaRPr lang="en-US"/>
-          </a:p>
-        </p:txBody>
-      </p:sp>
-      <p:pic>
-        <p:nvPicPr>
-          <p:cNvPr id="20" name="Picture 19"/>
-          <p:cNvPicPr>
-            <a:picLocks noGrp="1" noRot="1" noChangeAspect="1" noMove="1" noResize="1" noEditPoints="1" noAdjustHandles="1" noChangeArrowheads="1" noChangeShapeType="1" noCrop="1"/>
-          </p:cNvPicPr>
-          <p:nvPr>
-            <p:extLst>
-              <p:ext uri="{386F3935-93C4-4BCD-93E2-E3B085C9AB24}">
-                <p16:designElem xmlns:p16="http://schemas.microsoft.com/office/powerpoint/2015/main" val="1"/>
-              </p:ext>
-            </p:extLst>
-          </p:nvPr>
-        </p:nvPicPr>
-        <p:blipFill>
-          <a:blip r:embed="rId3">
-            <a:alphaModFix amt="10000"/>
-            <a:extLst>
-              <a:ext uri="{28A0092B-C50C-407E-A947-70E740481C1C}">
-                <a14:useLocalDpi xmlns:a14="http://schemas.microsoft.com/office/drawing/2010/main" val="0"/>
-              </a:ext>
-            </a:extLst>
-          </a:blip>
-          <a:stretch>
-            <a:fillRect/>
-          </a:stretch>
-        </p:blipFill>
-        <p:spPr>
-          <a:xfrm>
-            <a:off x="-3176" y="0"/>
-            <a:ext cx="12192000" cy="6858000"/>
-          </a:xfrm>
-          <a:prstGeom prst="rect">
-            <a:avLst/>
-          </a:prstGeom>
-        </p:spPr>
-      </p:pic>
-      <p:sp>
-        <p:nvSpPr>
-          <p:cNvPr id="22" name="Rectangle 21"/>
-          <p:cNvSpPr>
-            <a:spLocks noGrp="1" noRot="1" noChangeAspect="1" noMove="1" noResize="1" noEditPoints="1" noAdjustHandles="1" noChangeArrowheads="1" noChangeShapeType="1" noTextEdit="1"/>
-          </p:cNvSpPr>
-          <p:nvPr>
-            <p:extLst>
-              <p:ext uri="{386F3935-93C4-4BCD-93E2-E3B085C9AB24}">
-                <p16:designElem xmlns:p16="http://schemas.microsoft.com/office/powerpoint/2015/main" val="1"/>
-              </p:ext>
-            </p:extLst>
-          </p:nvPr>
-        </p:nvSpPr>
-        <p:spPr>
-          <a:xfrm>
-            <a:off x="4639056" y="0"/>
-            <a:ext cx="7552944" cy="6858001"/>
-          </a:xfrm>
-          <a:prstGeom prst="rect">
-            <a:avLst/>
-          </a:prstGeom>
-          <a:ln>
-            <a:noFill/>
-          </a:ln>
-        </p:spPr>
-        <p:style>
-          <a:lnRef idx="2">
-            <a:schemeClr val="accent1">
-              <a:shade val="50000"/>
-            </a:schemeClr>
-          </a:lnRef>
-          <a:fillRef idx="1">
-            <a:schemeClr val="accent1"/>
-          </a:fillRef>
-          <a:effectRef idx="0">
-            <a:schemeClr val="accent1"/>
-          </a:effectRef>
-          <a:fontRef idx="minor">
-            <a:schemeClr val="lt1"/>
-          </a:fontRef>
-        </p:style>
-        <p:txBody>
-          <a:bodyPr rtlCol="0" anchor="ctr"/>
-          <a:lstStyle/>
-          <a:p>
-            <a:pPr algn="ctr"/>
-            <a:endParaRPr lang="en-US"/>
-          </a:p>
-        </p:txBody>
-      </p:sp>
-      <p:sp>
-        <p:nvSpPr>
-          <p:cNvPr id="24" name="Rectangle 23"/>
-          <p:cNvSpPr>
-            <a:spLocks noGrp="1" noRot="1" noChangeAspect="1" noMove="1" noResize="1" noEditPoints="1" noAdjustHandles="1" noChangeArrowheads="1" noChangeShapeType="1" noTextEdit="1"/>
-          </p:cNvSpPr>
-          <p:nvPr>
-            <p:extLst>
-              <p:ext uri="{386F3935-93C4-4BCD-93E2-E3B085C9AB24}">
-                <p16:designElem xmlns:p16="http://schemas.microsoft.com/office/powerpoint/2015/main" val="1"/>
-              </p:ext>
-            </p:extLst>
-          </p:nvPr>
-        </p:nvSpPr>
-        <p:spPr bwMode="grayWhite">
-          <a:xfrm>
-            <a:off x="2" y="609600"/>
-            <a:ext cx="4959094" cy="1368198"/>
-          </a:xfrm>
-          <a:prstGeom prst="rect">
-            <a:avLst/>
-          </a:prstGeom>
-          <a:solidFill>
-            <a:schemeClr val="bg1">
-              <a:lumMod val="85000"/>
-              <a:lumOff val="15000"/>
-            </a:schemeClr>
-          </a:solidFill>
-          <a:ln>
-            <a:noFill/>
-          </a:ln>
-        </p:spPr>
-        <p:style>
-          <a:lnRef idx="2">
-            <a:schemeClr val="accent1">
-              <a:shade val="50000"/>
-            </a:schemeClr>
-          </a:lnRef>
-          <a:fillRef idx="1">
-            <a:schemeClr val="accent1"/>
-          </a:fillRef>
-          <a:effectRef idx="0">
-            <a:schemeClr val="accent1"/>
-          </a:effectRef>
-          <a:fontRef idx="minor">
-            <a:schemeClr val="lt1"/>
-          </a:fontRef>
-        </p:style>
-      </p:sp>
-      <p:pic>
-        <p:nvPicPr>
-          <p:cNvPr id="26" name="Picture 25"/>
-          <p:cNvPicPr>
-            <a:picLocks noGrp="1" noRot="1" noChangeAspect="1" noMove="1" noResize="1" noEditPoints="1" noAdjustHandles="1" noChangeArrowheads="1" noChangeShapeType="1" noCrop="1"/>
-          </p:cNvPicPr>
-          <p:nvPr>
-            <p:extLst>
-              <p:ext uri="{386F3935-93C4-4BCD-93E2-E3B085C9AB24}">
-                <p16:designElem xmlns:p16="http://schemas.microsoft.com/office/powerpoint/2015/main" val="1"/>
-              </p:ext>
-            </p:extLst>
-          </p:nvPr>
-        </p:nvPicPr>
-        <p:blipFill>
-          <a:blip r:embed="rId4">
-            <a:extLst>
-              <a:ext uri="{28A0092B-C50C-407E-A947-70E740481C1C}">
-                <a14:useLocalDpi xmlns:a14="http://schemas.microsoft.com/office/drawing/2010/main" val="0"/>
-              </a:ext>
-            </a:extLst>
-          </a:blip>
-          <a:stretch>
-            <a:fillRect/>
-          </a:stretch>
-        </p:blipFill>
-        <p:spPr>
-          <a:xfrm>
-            <a:off x="2" y="1970241"/>
-            <a:ext cx="4956048" cy="199787"/>
-          </a:xfrm>
-          <a:prstGeom prst="rect">
-            <a:avLst/>
-          </a:prstGeom>
-        </p:spPr>
-      </p:pic>
-      <p:pic>
-        <p:nvPicPr>
-          <p:cNvPr id="12" name="Content Placeholder 8"/>
-          <p:cNvPicPr>
-            <a:picLocks noChangeAspect="1"/>
-          </p:cNvPicPr>
-          <p:nvPr/>
-        </p:nvPicPr>
-        <p:blipFill>
-          <a:blip r:embed="rId5"/>
-          <a:stretch>
-            <a:fillRect/>
-          </a:stretch>
-        </p:blipFill>
-        <p:spPr>
-          <a:xfrm>
-            <a:off x="5276090" y="709613"/>
-            <a:ext cx="6269479" cy="5438773"/>
-          </a:xfrm>
-          <a:prstGeom prst="rect">
-            <a:avLst/>
-          </a:prstGeom>
-          <a:ln>
-            <a:noFill/>
-          </a:ln>
-          <a:effectLst>
-            <a:outerShdw blurRad="76200" dist="63500" dir="5040000" algn="tl" rotWithShape="0">
-              <a:srgbClr val="000000">
-                <a:alpha val="41000"/>
-              </a:srgbClr>
-            </a:outerShdw>
-          </a:effectLst>
-        </p:spPr>
-      </p:pic>
-      <p:sp>
-        <p:nvSpPr>
-          <p:cNvPr id="2" name="Title 1">
+      <p:sp>
+        <p:nvSpPr>
+          <p:cNvPr id="6" name="Title 5">
             <a:extLst>
               <a:ext uri="{FF2B5EF4-FFF2-40B4-BE49-F238E27FC236}">
-                <a16:creationId xmlns:a16="http://schemas.microsoft.com/office/drawing/2014/main" id="{4BB224FB-D96B-4948-8EF6-50506D606884}"/>
+                <a16:creationId xmlns:a16="http://schemas.microsoft.com/office/drawing/2014/main" id="{B3327DB4-ED77-458A-8094-0913096A5E26}"/>
               </a:ext>
             </a:extLst>
           </p:cNvPr>
@@ -8984,82 +8875,97 @@
             <p:ph type="title"/>
           </p:nvPr>
         </p:nvSpPr>
-        <p:spPr>
-          <a:xfrm>
-            <a:off x="680321" y="753228"/>
-            <a:ext cx="4136123" cy="1080938"/>
-          </a:xfrm>
-        </p:spPr>
-        <p:txBody>
-          <a:bodyPr>
-            <a:normAutofit/>
-          </a:bodyPr>
+        <p:spPr/>
+        <p:txBody>
+          <a:bodyPr/>
           <a:lstStyle/>
           <a:p>
             <a:r>
-              <a:rPr lang="en-US" sz="2400" dirty="0"/>
-              <a:t>Cost of UI tests</a:t>
-            </a:r>
-          </a:p>
-        </p:txBody>
-      </p:sp>
-      <p:sp>
-        <p:nvSpPr>
-          <p:cNvPr id="14" name="Content Placeholder 13"/>
-          <p:cNvSpPr>
-            <a:spLocks noGrp="1"/>
-          </p:cNvSpPr>
+              <a:rPr lang="en-US" dirty="0"/>
+              <a:t>Agenda</a:t>
+            </a:r>
+          </a:p>
+        </p:txBody>
+      </p:sp>
+      <p:sp>
+        <p:nvSpPr>
+          <p:cNvPr id="9" name="Text Placeholder 8">
+            <a:extLst>
+              <a:ext uri="{FF2B5EF4-FFF2-40B4-BE49-F238E27FC236}">
+                <a16:creationId xmlns:a16="http://schemas.microsoft.com/office/drawing/2014/main" id="{7C388CE2-2425-478F-8A87-81BBFF8B7A7A}"/>
+              </a:ext>
+            </a:extLst>
+          </p:cNvPr>
+          <p:cNvSpPr>
+            <a:spLocks noGrp="1"/>
+          </p:cNvSpPr>
+          <p:nvPr>
+            <p:ph type="body" sz="half" idx="2"/>
+          </p:nvPr>
+        </p:nvSpPr>
+        <p:spPr>
+          <a:xfrm>
+            <a:off x="680322" y="2336873"/>
+            <a:ext cx="5969860" cy="2243674"/>
+          </a:xfrm>
+        </p:spPr>
+        <p:txBody>
+          <a:bodyPr/>
+          <a:lstStyle/>
+          <a:p>
+            <a:pPr marL="457200" indent="-457200">
+              <a:buFont typeface="Arial" panose="020B0604020202020204" pitchFamily="34" charset="0"/>
+              <a:buChar char="•"/>
+            </a:pPr>
+            <a:r>
+              <a:rPr lang="en-US" sz="2800" dirty="0"/>
+              <a:t>Selenium Architecture</a:t>
+            </a:r>
+          </a:p>
+          <a:p>
+            <a:pPr marL="457200" indent="-457200">
+              <a:buFont typeface="Arial" panose="020B0604020202020204" pitchFamily="34" charset="0"/>
+              <a:buChar char="•"/>
+            </a:pPr>
+            <a:r>
+              <a:rPr lang="en-US" sz="2800" dirty="0"/>
+              <a:t>Guidelines and Recommendation</a:t>
+            </a:r>
+          </a:p>
+        </p:txBody>
+      </p:sp>
+      <p:pic>
+        <p:nvPicPr>
+          <p:cNvPr id="5" name="Content Placeholder 4" descr="A person holding a sign&#10;&#10;Description generated with high confidence">
+            <a:extLst>
+              <a:ext uri="{FF2B5EF4-FFF2-40B4-BE49-F238E27FC236}">
+                <a16:creationId xmlns:a16="http://schemas.microsoft.com/office/drawing/2014/main" id="{3DBEBEC9-90BF-45E5-8C36-C01F76BDD21D}"/>
+              </a:ext>
+            </a:extLst>
+          </p:cNvPr>
+          <p:cNvPicPr>
+            <a:picLocks noGrp="1" noChangeAspect="1"/>
+          </p:cNvPicPr>
           <p:nvPr>
             <p:ph idx="1"/>
           </p:nvPr>
-        </p:nvSpPr>
-        <p:spPr>
-          <a:xfrm>
-            <a:off x="315884" y="2336873"/>
-            <a:ext cx="4316951" cy="3599316"/>
-          </a:xfrm>
-        </p:spPr>
-        <p:txBody>
-          <a:bodyPr>
-            <a:normAutofit/>
-          </a:bodyPr>
-          <a:lstStyle/>
-          <a:p>
-            <a:r>
-              <a:rPr lang="en-US" sz="2800" dirty="0"/>
-              <a:t>Time consuming to write</a:t>
-            </a:r>
-          </a:p>
-          <a:p>
-            <a:r>
-              <a:rPr lang="en-US" sz="2800" dirty="0"/>
-              <a:t>Slow to execute</a:t>
-            </a:r>
-          </a:p>
-          <a:p>
-            <a:r>
-              <a:rPr lang="en-US" sz="2800" dirty="0"/>
-              <a:t>Unreliable</a:t>
-            </a:r>
-          </a:p>
-          <a:p>
-            <a:r>
-              <a:rPr lang="en-US" sz="2800" dirty="0"/>
-              <a:t>Fragile</a:t>
-            </a:r>
-          </a:p>
-          <a:p>
-            <a:r>
-              <a:rPr lang="en-US" sz="2800" dirty="0"/>
-              <a:t>Hard to maintain</a:t>
-            </a:r>
-          </a:p>
-        </p:txBody>
-      </p:sp>
+        </p:nvPicPr>
+        <p:blipFill rotWithShape="1">
+          <a:blip r:embed="rId3"/>
+          <a:srcRect l="2695" r="52339"/>
+          <a:stretch/>
+        </p:blipFill>
+        <p:spPr>
+          <a:xfrm>
+            <a:off x="7034980" y="2041307"/>
+            <a:ext cx="3383522" cy="4315248"/>
+          </a:xfrm>
+        </p:spPr>
+      </p:pic>
     </p:spTree>
     <p:extLst>
       <p:ext uri="{BB962C8B-B14F-4D97-AF65-F5344CB8AC3E}">
-        <p14:creationId xmlns:p14="http://schemas.microsoft.com/office/powerpoint/2010/main" val="384157179"/>
+        <p14:creationId xmlns:p14="http://schemas.microsoft.com/office/powerpoint/2010/main" val="1264606549"/>
       </p:ext>
     </p:extLst>
   </p:cSld>
@@ -9224,10 +9130,10 @@
       </p:sp>
       <p:pic>
         <p:nvPicPr>
-          <p:cNvPr id="7" name="Picture 6">
+          <p:cNvPr id="5" name="Picture 4">
             <a:extLst>
               <a:ext uri="{FF2B5EF4-FFF2-40B4-BE49-F238E27FC236}">
-                <a16:creationId xmlns:a16="http://schemas.microsoft.com/office/drawing/2014/main" id="{68B6C8BF-4619-456A-BEE1-B436ED30701D}"/>
+                <a16:creationId xmlns:a16="http://schemas.microsoft.com/office/drawing/2014/main" id="{34BCA108-21B2-42A6-9413-644EE557BA53}"/>
               </a:ext>
             </a:extLst>
           </p:cNvPr>
@@ -9244,8 +9150,8 @@
         </p:blipFill>
         <p:spPr>
           <a:xfrm>
-            <a:off x="809307" y="2445067"/>
-            <a:ext cx="9369190" cy="2106613"/>
+            <a:off x="2013469" y="1970962"/>
+            <a:ext cx="4856879" cy="4887038"/>
           </a:xfrm>
           <a:prstGeom prst="rect">
             <a:avLst/>
@@ -9256,6 +9162,478 @@
     <p:extLst>
       <p:ext uri="{BB962C8B-B14F-4D97-AF65-F5344CB8AC3E}">
         <p14:creationId xmlns:p14="http://schemas.microsoft.com/office/powerpoint/2010/main" val="3652858960"/>
+      </p:ext>
+    </p:extLst>
+  </p:cSld>
+  <p:clrMapOvr>
+    <a:masterClrMapping/>
+  </p:clrMapOvr>
+</p:sld>
+</file>
+
+<file path=ppt/slides/slide6.xml><?xml version="1.0" encoding="utf-8"?>
+<p:sld xmlns:a="http://schemas.openxmlformats.org/drawingml/2006/main" xmlns:r="http://schemas.openxmlformats.org/officeDocument/2006/relationships" xmlns:p="http://schemas.openxmlformats.org/presentationml/2006/main">
+  <p:cSld>
+    <p:spTree>
+      <p:nvGrpSpPr>
+        <p:cNvPr id="1" name=""/>
+        <p:cNvGrpSpPr/>
+        <p:nvPr/>
+      </p:nvGrpSpPr>
+      <p:grpSpPr>
+        <a:xfrm>
+          <a:off x="0" y="0"/>
+          <a:ext cx="0" cy="0"/>
+          <a:chOff x="0" y="0"/>
+          <a:chExt cx="0" cy="0"/>
+        </a:xfrm>
+      </p:grpSpPr>
+      <p:sp useBgFill="1">
+        <p:nvSpPr>
+          <p:cNvPr id="18" name="Rectangle 17"/>
+          <p:cNvSpPr>
+            <a:spLocks noGrp="1" noRot="1" noChangeAspect="1" noMove="1" noResize="1" noEditPoints="1" noAdjustHandles="1" noChangeArrowheads="1" noChangeShapeType="1" noTextEdit="1"/>
+          </p:cNvSpPr>
+          <p:nvPr>
+            <p:extLst>
+              <p:ext uri="{386F3935-93C4-4BCD-93E2-E3B085C9AB24}">
+                <p16:designElem xmlns:p16="http://schemas.microsoft.com/office/powerpoint/2015/main" val="1"/>
+              </p:ext>
+            </p:extLst>
+          </p:nvPr>
+        </p:nvSpPr>
+        <p:spPr>
+          <a:xfrm>
+            <a:off x="0" y="-1"/>
+            <a:ext cx="12188824" cy="6858001"/>
+          </a:xfrm>
+          <a:prstGeom prst="rect">
+            <a:avLst/>
+          </a:prstGeom>
+          <a:ln>
+            <a:noFill/>
+          </a:ln>
+        </p:spPr>
+        <p:style>
+          <a:lnRef idx="2">
+            <a:schemeClr val="accent1">
+              <a:shade val="50000"/>
+            </a:schemeClr>
+          </a:lnRef>
+          <a:fillRef idx="1">
+            <a:schemeClr val="accent1"/>
+          </a:fillRef>
+          <a:effectRef idx="0">
+            <a:schemeClr val="accent1"/>
+          </a:effectRef>
+          <a:fontRef idx="minor">
+            <a:schemeClr val="lt1"/>
+          </a:fontRef>
+        </p:style>
+        <p:txBody>
+          <a:bodyPr rtlCol="0" anchor="ctr"/>
+          <a:lstStyle/>
+          <a:p>
+            <a:pPr algn="ctr"/>
+            <a:endParaRPr lang="en-US"/>
+          </a:p>
+        </p:txBody>
+      </p:sp>
+      <p:pic>
+        <p:nvPicPr>
+          <p:cNvPr id="20" name="Picture 19"/>
+          <p:cNvPicPr>
+            <a:picLocks noGrp="1" noRot="1" noChangeAspect="1" noMove="1" noResize="1" noEditPoints="1" noAdjustHandles="1" noChangeArrowheads="1" noChangeShapeType="1" noCrop="1"/>
+          </p:cNvPicPr>
+          <p:nvPr>
+            <p:extLst>
+              <p:ext uri="{386F3935-93C4-4BCD-93E2-E3B085C9AB24}">
+                <p16:designElem xmlns:p16="http://schemas.microsoft.com/office/powerpoint/2015/main" val="1"/>
+              </p:ext>
+            </p:extLst>
+          </p:nvPr>
+        </p:nvPicPr>
+        <p:blipFill>
+          <a:blip r:embed="rId3">
+            <a:alphaModFix amt="10000"/>
+            <a:extLst>
+              <a:ext uri="{28A0092B-C50C-407E-A947-70E740481C1C}">
+                <a14:useLocalDpi xmlns:a14="http://schemas.microsoft.com/office/drawing/2010/main" val="0"/>
+              </a:ext>
+            </a:extLst>
+          </a:blip>
+          <a:stretch>
+            <a:fillRect/>
+          </a:stretch>
+        </p:blipFill>
+        <p:spPr>
+          <a:xfrm>
+            <a:off x="-3176" y="0"/>
+            <a:ext cx="12192000" cy="6858000"/>
+          </a:xfrm>
+          <a:prstGeom prst="rect">
+            <a:avLst/>
+          </a:prstGeom>
+        </p:spPr>
+      </p:pic>
+      <p:sp>
+        <p:nvSpPr>
+          <p:cNvPr id="22" name="Rectangle 21"/>
+          <p:cNvSpPr>
+            <a:spLocks noGrp="1" noRot="1" noChangeAspect="1" noMove="1" noResize="1" noEditPoints="1" noAdjustHandles="1" noChangeArrowheads="1" noChangeShapeType="1" noTextEdit="1"/>
+          </p:cNvSpPr>
+          <p:nvPr>
+            <p:extLst>
+              <p:ext uri="{386F3935-93C4-4BCD-93E2-E3B085C9AB24}">
+                <p16:designElem xmlns:p16="http://schemas.microsoft.com/office/powerpoint/2015/main" val="1"/>
+              </p:ext>
+            </p:extLst>
+          </p:nvPr>
+        </p:nvSpPr>
+        <p:spPr>
+          <a:xfrm>
+            <a:off x="4639056" y="0"/>
+            <a:ext cx="7552944" cy="6858001"/>
+          </a:xfrm>
+          <a:prstGeom prst="rect">
+            <a:avLst/>
+          </a:prstGeom>
+          <a:ln>
+            <a:noFill/>
+          </a:ln>
+        </p:spPr>
+        <p:style>
+          <a:lnRef idx="2">
+            <a:schemeClr val="accent1">
+              <a:shade val="50000"/>
+            </a:schemeClr>
+          </a:lnRef>
+          <a:fillRef idx="1">
+            <a:schemeClr val="accent1"/>
+          </a:fillRef>
+          <a:effectRef idx="0">
+            <a:schemeClr val="accent1"/>
+          </a:effectRef>
+          <a:fontRef idx="minor">
+            <a:schemeClr val="lt1"/>
+          </a:fontRef>
+        </p:style>
+        <p:txBody>
+          <a:bodyPr rtlCol="0" anchor="ctr"/>
+          <a:lstStyle/>
+          <a:p>
+            <a:pPr algn="ctr"/>
+            <a:endParaRPr lang="en-US"/>
+          </a:p>
+        </p:txBody>
+      </p:sp>
+      <p:sp>
+        <p:nvSpPr>
+          <p:cNvPr id="24" name="Rectangle 23"/>
+          <p:cNvSpPr>
+            <a:spLocks noGrp="1" noRot="1" noChangeAspect="1" noMove="1" noResize="1" noEditPoints="1" noAdjustHandles="1" noChangeArrowheads="1" noChangeShapeType="1" noTextEdit="1"/>
+          </p:cNvSpPr>
+          <p:nvPr>
+            <p:extLst>
+              <p:ext uri="{386F3935-93C4-4BCD-93E2-E3B085C9AB24}">
+                <p16:designElem xmlns:p16="http://schemas.microsoft.com/office/powerpoint/2015/main" val="1"/>
+              </p:ext>
+            </p:extLst>
+          </p:nvPr>
+        </p:nvSpPr>
+        <p:spPr bwMode="grayWhite">
+          <a:xfrm>
+            <a:off x="2" y="609600"/>
+            <a:ext cx="4959094" cy="1368198"/>
+          </a:xfrm>
+          <a:prstGeom prst="rect">
+            <a:avLst/>
+          </a:prstGeom>
+          <a:solidFill>
+            <a:schemeClr val="bg1">
+              <a:lumMod val="85000"/>
+              <a:lumOff val="15000"/>
+            </a:schemeClr>
+          </a:solidFill>
+          <a:ln>
+            <a:noFill/>
+          </a:ln>
+        </p:spPr>
+        <p:style>
+          <a:lnRef idx="2">
+            <a:schemeClr val="accent1">
+              <a:shade val="50000"/>
+            </a:schemeClr>
+          </a:lnRef>
+          <a:fillRef idx="1">
+            <a:schemeClr val="accent1"/>
+          </a:fillRef>
+          <a:effectRef idx="0">
+            <a:schemeClr val="accent1"/>
+          </a:effectRef>
+          <a:fontRef idx="minor">
+            <a:schemeClr val="lt1"/>
+          </a:fontRef>
+        </p:style>
+      </p:sp>
+      <p:pic>
+        <p:nvPicPr>
+          <p:cNvPr id="26" name="Picture 25"/>
+          <p:cNvPicPr>
+            <a:picLocks noGrp="1" noRot="1" noChangeAspect="1" noMove="1" noResize="1" noEditPoints="1" noAdjustHandles="1" noChangeArrowheads="1" noChangeShapeType="1" noCrop="1"/>
+          </p:cNvPicPr>
+          <p:nvPr>
+            <p:extLst>
+              <p:ext uri="{386F3935-93C4-4BCD-93E2-E3B085C9AB24}">
+                <p16:designElem xmlns:p16="http://schemas.microsoft.com/office/powerpoint/2015/main" val="1"/>
+              </p:ext>
+            </p:extLst>
+          </p:nvPr>
+        </p:nvPicPr>
+        <p:blipFill>
+          <a:blip r:embed="rId4">
+            <a:extLst>
+              <a:ext uri="{28A0092B-C50C-407E-A947-70E740481C1C}">
+                <a14:useLocalDpi xmlns:a14="http://schemas.microsoft.com/office/drawing/2010/main" val="0"/>
+              </a:ext>
+            </a:extLst>
+          </a:blip>
+          <a:stretch>
+            <a:fillRect/>
+          </a:stretch>
+        </p:blipFill>
+        <p:spPr>
+          <a:xfrm>
+            <a:off x="2" y="1970241"/>
+            <a:ext cx="4956048" cy="199787"/>
+          </a:xfrm>
+          <a:prstGeom prst="rect">
+            <a:avLst/>
+          </a:prstGeom>
+        </p:spPr>
+      </p:pic>
+      <p:pic>
+        <p:nvPicPr>
+          <p:cNvPr id="12" name="Content Placeholder 8"/>
+          <p:cNvPicPr>
+            <a:picLocks noChangeAspect="1"/>
+          </p:cNvPicPr>
+          <p:nvPr/>
+        </p:nvPicPr>
+        <p:blipFill>
+          <a:blip r:embed="rId5"/>
+          <a:stretch>
+            <a:fillRect/>
+          </a:stretch>
+        </p:blipFill>
+        <p:spPr>
+          <a:xfrm>
+            <a:off x="5276090" y="709613"/>
+            <a:ext cx="6269479" cy="5438773"/>
+          </a:xfrm>
+          <a:prstGeom prst="rect">
+            <a:avLst/>
+          </a:prstGeom>
+          <a:ln>
+            <a:noFill/>
+          </a:ln>
+          <a:effectLst>
+            <a:outerShdw blurRad="76200" dist="63500" dir="5040000" algn="tl" rotWithShape="0">
+              <a:srgbClr val="000000">
+                <a:alpha val="41000"/>
+              </a:srgbClr>
+            </a:outerShdw>
+          </a:effectLst>
+        </p:spPr>
+      </p:pic>
+      <p:sp>
+        <p:nvSpPr>
+          <p:cNvPr id="2" name="Title 1">
+            <a:extLst>
+              <a:ext uri="{FF2B5EF4-FFF2-40B4-BE49-F238E27FC236}">
+                <a16:creationId xmlns:a16="http://schemas.microsoft.com/office/drawing/2014/main" id="{4BB224FB-D96B-4948-8EF6-50506D606884}"/>
+              </a:ext>
+            </a:extLst>
+          </p:cNvPr>
+          <p:cNvSpPr>
+            <a:spLocks noGrp="1"/>
+          </p:cNvSpPr>
+          <p:nvPr>
+            <p:ph type="title"/>
+          </p:nvPr>
+        </p:nvSpPr>
+        <p:spPr>
+          <a:xfrm>
+            <a:off x="680321" y="753228"/>
+            <a:ext cx="4136123" cy="1080938"/>
+          </a:xfrm>
+        </p:spPr>
+        <p:txBody>
+          <a:bodyPr>
+            <a:normAutofit/>
+          </a:bodyPr>
+          <a:lstStyle/>
+          <a:p>
+            <a:r>
+              <a:rPr lang="en-US" sz="2400" dirty="0"/>
+              <a:t>Cost of UI tests</a:t>
+            </a:r>
+          </a:p>
+        </p:txBody>
+      </p:sp>
+      <p:sp>
+        <p:nvSpPr>
+          <p:cNvPr id="14" name="Content Placeholder 13"/>
+          <p:cNvSpPr>
+            <a:spLocks noGrp="1"/>
+          </p:cNvSpPr>
+          <p:nvPr>
+            <p:ph idx="1"/>
+          </p:nvPr>
+        </p:nvSpPr>
+        <p:spPr>
+          <a:xfrm>
+            <a:off x="315884" y="2336873"/>
+            <a:ext cx="4316951" cy="3599316"/>
+          </a:xfrm>
+        </p:spPr>
+        <p:txBody>
+          <a:bodyPr>
+            <a:normAutofit/>
+          </a:bodyPr>
+          <a:lstStyle/>
+          <a:p>
+            <a:r>
+              <a:rPr lang="en-US" sz="2800" dirty="0"/>
+              <a:t>Time consuming to write</a:t>
+            </a:r>
+          </a:p>
+          <a:p>
+            <a:r>
+              <a:rPr lang="en-US" sz="2800" dirty="0"/>
+              <a:t>Slow to execute</a:t>
+            </a:r>
+          </a:p>
+          <a:p>
+            <a:r>
+              <a:rPr lang="en-US" sz="2800" dirty="0"/>
+              <a:t>Unreliable</a:t>
+            </a:r>
+          </a:p>
+          <a:p>
+            <a:r>
+              <a:rPr lang="en-US" sz="2800" dirty="0"/>
+              <a:t>Fragile</a:t>
+            </a:r>
+          </a:p>
+          <a:p>
+            <a:r>
+              <a:rPr lang="en-US" sz="2800" dirty="0"/>
+              <a:t>Hard to maintain</a:t>
+            </a:r>
+          </a:p>
+        </p:txBody>
+      </p:sp>
+    </p:spTree>
+    <p:extLst>
+      <p:ext uri="{BB962C8B-B14F-4D97-AF65-F5344CB8AC3E}">
+        <p14:creationId xmlns:p14="http://schemas.microsoft.com/office/powerpoint/2010/main" val="384157179"/>
+      </p:ext>
+    </p:extLst>
+  </p:cSld>
+  <p:clrMapOvr>
+    <a:masterClrMapping/>
+  </p:clrMapOvr>
+</p:sld>
+</file>
+
+<file path=ppt/slides/slide7.xml><?xml version="1.0" encoding="utf-8"?>
+<p:sld xmlns:a="http://schemas.openxmlformats.org/drawingml/2006/main" xmlns:r="http://schemas.openxmlformats.org/officeDocument/2006/relationships" xmlns:p="http://schemas.openxmlformats.org/presentationml/2006/main">
+  <p:cSld>
+    <p:spTree>
+      <p:nvGrpSpPr>
+        <p:cNvPr id="1" name=""/>
+        <p:cNvGrpSpPr/>
+        <p:nvPr/>
+      </p:nvGrpSpPr>
+      <p:grpSpPr>
+        <a:xfrm>
+          <a:off x="0" y="0"/>
+          <a:ext cx="0" cy="0"/>
+          <a:chOff x="0" y="0"/>
+          <a:chExt cx="0" cy="0"/>
+        </a:xfrm>
+      </p:grpSpPr>
+      <p:sp>
+        <p:nvSpPr>
+          <p:cNvPr id="2" name="Title 1">
+            <a:extLst>
+              <a:ext uri="{FF2B5EF4-FFF2-40B4-BE49-F238E27FC236}">
+                <a16:creationId xmlns:a16="http://schemas.microsoft.com/office/drawing/2014/main" id="{F840E515-E329-4777-A5DC-7295B9736F08}"/>
+              </a:ext>
+            </a:extLst>
+          </p:cNvPr>
+          <p:cNvSpPr>
+            <a:spLocks noGrp="1"/>
+          </p:cNvSpPr>
+          <p:nvPr>
+            <p:ph type="title"/>
+          </p:nvPr>
+        </p:nvSpPr>
+        <p:spPr/>
+        <p:txBody>
+          <a:bodyPr/>
+          <a:lstStyle/>
+          <a:p>
+            <a:r>
+              <a:rPr lang="en-US" dirty="0"/>
+              <a:t>Can I have the Code and Slides?</a:t>
+            </a:r>
+          </a:p>
+        </p:txBody>
+      </p:sp>
+      <p:sp>
+        <p:nvSpPr>
+          <p:cNvPr id="3" name="Content Placeholder 2">
+            <a:extLst>
+              <a:ext uri="{FF2B5EF4-FFF2-40B4-BE49-F238E27FC236}">
+                <a16:creationId xmlns:a16="http://schemas.microsoft.com/office/drawing/2014/main" id="{566C439C-975C-4322-AE16-DA590E9621BF}"/>
+              </a:ext>
+            </a:extLst>
+          </p:cNvPr>
+          <p:cNvSpPr>
+            <a:spLocks noGrp="1"/>
+          </p:cNvSpPr>
+          <p:nvPr>
+            <p:ph idx="1"/>
+          </p:nvPr>
+        </p:nvSpPr>
+        <p:spPr>
+          <a:xfrm>
+            <a:off x="680320" y="3533284"/>
+            <a:ext cx="9613861" cy="876346"/>
+          </a:xfrm>
+        </p:spPr>
+        <p:txBody>
+          <a:bodyPr>
+            <a:normAutofit/>
+          </a:bodyPr>
+          <a:lstStyle/>
+          <a:p>
+            <a:pPr marL="0" indent="0" algn="ctr">
+              <a:buNone/>
+            </a:pPr>
+            <a:r>
+              <a:rPr lang="en-US" sz="4800" dirty="0"/>
+              <a:t>devatheart.com</a:t>
+            </a:r>
+          </a:p>
+        </p:txBody>
+      </p:sp>
+    </p:spTree>
+    <p:extLst>
+      <p:ext uri="{BB962C8B-B14F-4D97-AF65-F5344CB8AC3E}">
+        <p14:creationId xmlns:p14="http://schemas.microsoft.com/office/powerpoint/2010/main" val="1246372669"/>
       </p:ext>
     </p:extLst>
   </p:cSld>
